--- a/教案/重构.pptx
+++ b/教案/重构.pptx
@@ -344,7 +344,7 @@
               <a:pPr>
                 <a:defRPr/>
               </a:pPr>
-              <a:t>2018/11/28</a:t>
+              <a:t>2019/11/13</a:t>
             </a:fld>
             <a:endParaRPr lang="zh-CN" altLang="en-US"/>
           </a:p>
@@ -1885,7 +1885,7 @@
               <a:pPr>
                 <a:defRPr/>
               </a:pPr>
-              <a:t>2018/11/28</a:t>
+              <a:t>2019/11/13</a:t>
             </a:fld>
             <a:endParaRPr lang="zh-CN" altLang="en-US"/>
           </a:p>
@@ -2078,7 +2078,7 @@
               <a:pPr>
                 <a:defRPr/>
               </a:pPr>
-              <a:t>2018/11/28</a:t>
+              <a:t>2019/11/13</a:t>
             </a:fld>
             <a:endParaRPr lang="zh-CN" altLang="en-US"/>
           </a:p>
@@ -2280,7 +2280,7 @@
               <a:pPr>
                 <a:defRPr/>
               </a:pPr>
-              <a:t>2018/11/28</a:t>
+              <a:t>2019/11/13</a:t>
             </a:fld>
             <a:endParaRPr lang="zh-CN" altLang="en-US"/>
           </a:p>
@@ -2472,7 +2472,7 @@
               <a:pPr>
                 <a:defRPr/>
               </a:pPr>
-              <a:t>2018/11/28</a:t>
+              <a:t>2019/11/13</a:t>
             </a:fld>
             <a:endParaRPr lang="zh-CN" altLang="en-US"/>
           </a:p>
@@ -2980,7 +2980,7 @@
               <a:pPr>
                 <a:defRPr/>
               </a:pPr>
-              <a:t>2018/11/28</a:t>
+              <a:t>2019/11/13</a:t>
             </a:fld>
             <a:endParaRPr lang="zh-CN" altLang="en-US"/>
           </a:p>
@@ -3274,7 +3274,7 @@
               <a:pPr>
                 <a:defRPr/>
               </a:pPr>
-              <a:t>2018/11/28</a:t>
+              <a:t>2019/11/13</a:t>
             </a:fld>
             <a:endParaRPr lang="zh-CN" altLang="en-US"/>
           </a:p>
@@ -3785,7 +3785,7 @@
               <a:pPr>
                 <a:defRPr/>
               </a:pPr>
-              <a:t>2018/11/28</a:t>
+              <a:t>2019/11/13</a:t>
             </a:fld>
             <a:endParaRPr lang="zh-CN" altLang="en-US"/>
           </a:p>
@@ -3931,7 +3931,7 @@
               <a:pPr>
                 <a:defRPr/>
               </a:pPr>
-              <a:t>2018/11/28</a:t>
+              <a:t>2019/11/13</a:t>
             </a:fld>
             <a:endParaRPr lang="zh-CN" altLang="en-US"/>
           </a:p>
@@ -4165,7 +4165,7 @@
               <a:pPr>
                 <a:defRPr/>
               </a:pPr>
-              <a:t>2018/11/28</a:t>
+              <a:t>2019/11/13</a:t>
             </a:fld>
             <a:endParaRPr lang="zh-CN" altLang="en-US"/>
           </a:p>
@@ -4454,7 +4454,7 @@
               <a:pPr>
                 <a:defRPr/>
               </a:pPr>
-              <a:t>2018/11/28</a:t>
+              <a:t>2019/11/13</a:t>
             </a:fld>
             <a:endParaRPr lang="zh-CN" altLang="en-US"/>
           </a:p>
@@ -4925,7 +4925,7 @@
               <a:pPr>
                 <a:defRPr/>
               </a:pPr>
-              <a:t>2018/11/28</a:t>
+              <a:t>2019/11/13</a:t>
             </a:fld>
             <a:endParaRPr lang="zh-CN" altLang="en-US"/>
           </a:p>
@@ -5487,7 +5487,7 @@
               <a:pPr>
                 <a:defRPr/>
               </a:pPr>
-              <a:t>2018/11/28</a:t>
+              <a:t>2019/11/13</a:t>
             </a:fld>
             <a:endParaRPr lang="zh-CN" altLang="en-US"/>
           </a:p>
@@ -6291,41 +6291,6 @@
               </a14:hiddenFill>
             </a:ext>
           </a:extLst>
-        </p:spPr>
-      </p:pic>
-      <p:pic>
-        <p:nvPicPr>
-          <p:cNvPr id="5" name="图片 4">
-            <a:extLst>
-              <a:ext uri="{FF2B5EF4-FFF2-40B4-BE49-F238E27FC236}">
-                <a16:creationId xmlns:a16="http://schemas.microsoft.com/office/drawing/2014/main" id="{F318A622-D4E3-4BFC-B666-7F9F21D5627C}"/>
-              </a:ext>
-            </a:extLst>
-          </p:cNvPr>
-          <p:cNvPicPr>
-            <a:picLocks noChangeAspect="1"/>
-          </p:cNvPicPr>
-          <p:nvPr/>
-        </p:nvPicPr>
-        <p:blipFill rotWithShape="1">
-          <a:blip r:embed="rId3">
-            <a:extLst>
-              <a:ext uri="{28A0092B-C50C-407E-A947-70E740481C1C}">
-                <a14:useLocalDpi xmlns:a14="http://schemas.microsoft.com/office/drawing/2010/main" val="0"/>
-              </a:ext>
-            </a:extLst>
-          </a:blip>
-          <a:srcRect l="7550" t="27951" r="10101" b="19549"/>
-          <a:stretch/>
-        </p:blipFill>
-        <p:spPr>
-          <a:xfrm>
-            <a:off x="1259632" y="3229794"/>
-            <a:ext cx="2675144" cy="3600400"/>
-          </a:xfrm>
-          <a:prstGeom prst="rect">
-            <a:avLst/>
-          </a:prstGeom>
         </p:spPr>
       </p:pic>
     </p:spTree>
